--- a/f_x.pptx
+++ b/f_x.pptx
@@ -1,6 +1,6 @@
 
 <file path=ppt/presentation.xml><?xml version="1.0" encoding="utf-8"?>
-<p:presentation xmlns:a="http://schemas.openxmlformats.org/drawingml/2006/main" xmlns:r="http://schemas.openxmlformats.org/officeDocument/2006/relationships" xmlns:p="http://schemas.openxmlformats.org/presentationml/2006/main" saveSubsetFonts="1">
+<p:presentation xmlns:a="http://schemas.openxmlformats.org/drawingml/2006/main" xmlns:r="http://schemas.openxmlformats.org/officeDocument/2006/relationships" xmlns:p="http://schemas.openxmlformats.org/presentationml/2006/main" removePersonalInfoOnSave="1" saveSubsetFonts="1">
   <p:sldMasterIdLst>
     <p:sldMasterId id="2147483648" r:id="rId1"/>
   </p:sldMasterIdLst>
@@ -193,7 +193,7 @@
             <a:fld id="{03277109-AD43-482C-B712-7C64A3671A0A}" type="datetimeFigureOut">
               <a:rPr kumimoji="1" lang="ja-JP" altLang="en-US" smtClean="0"/>
               <a:pPr/>
-              <a:t>2012/7/24</a:t>
+              <a:t>2017/5/7</a:t>
             </a:fld>
             <a:endParaRPr kumimoji="1" lang="ja-JP" altLang="en-US"/>
           </a:p>
@@ -765,7 +765,7 @@
             <a:fld id="{3BCA5A0C-6EE6-4C53-A7D0-151740237538}" type="datetimeFigureOut">
               <a:rPr kumimoji="1" lang="ja-JP" altLang="en-US" smtClean="0"/>
               <a:pPr/>
-              <a:t>2012/7/24</a:t>
+              <a:t>2017/5/7</a:t>
             </a:fld>
             <a:endParaRPr kumimoji="1" lang="ja-JP" altLang="en-US"/>
           </a:p>
@@ -969,7 +969,7 @@
             <a:fld id="{3BCA5A0C-6EE6-4C53-A7D0-151740237538}" type="datetimeFigureOut">
               <a:rPr kumimoji="1" lang="ja-JP" altLang="en-US" smtClean="0"/>
               <a:pPr/>
-              <a:t>2012/7/24</a:t>
+              <a:t>2017/5/7</a:t>
             </a:fld>
             <a:endParaRPr kumimoji="1" lang="ja-JP" altLang="en-US"/>
           </a:p>
@@ -1183,7 +1183,7 @@
             <a:fld id="{3BCA5A0C-6EE6-4C53-A7D0-151740237538}" type="datetimeFigureOut">
               <a:rPr kumimoji="1" lang="ja-JP" altLang="en-US" smtClean="0"/>
               <a:pPr/>
-              <a:t>2012/7/24</a:t>
+              <a:t>2017/5/7</a:t>
             </a:fld>
             <a:endParaRPr kumimoji="1" lang="ja-JP" altLang="en-US"/>
           </a:p>
@@ -1387,7 +1387,7 @@
             <a:fld id="{3BCA5A0C-6EE6-4C53-A7D0-151740237538}" type="datetimeFigureOut">
               <a:rPr kumimoji="1" lang="ja-JP" altLang="en-US" smtClean="0"/>
               <a:pPr/>
-              <a:t>2012/7/24</a:t>
+              <a:t>2017/5/7</a:t>
             </a:fld>
             <a:endParaRPr kumimoji="1" lang="ja-JP" altLang="en-US"/>
           </a:p>
@@ -1635,7 +1635,7 @@
             <a:fld id="{3BCA5A0C-6EE6-4C53-A7D0-151740237538}" type="datetimeFigureOut">
               <a:rPr kumimoji="1" lang="ja-JP" altLang="en-US" smtClean="0"/>
               <a:pPr/>
-              <a:t>2012/7/24</a:t>
+              <a:t>2017/5/7</a:t>
             </a:fld>
             <a:endParaRPr kumimoji="1" lang="ja-JP" altLang="en-US"/>
           </a:p>
@@ -1989,7 +1989,7 @@
             <a:fld id="{3BCA5A0C-6EE6-4C53-A7D0-151740237538}" type="datetimeFigureOut">
               <a:rPr kumimoji="1" lang="ja-JP" altLang="en-US" smtClean="0"/>
               <a:pPr/>
-              <a:t>2012/7/24</a:t>
+              <a:t>2017/5/7</a:t>
             </a:fld>
             <a:endParaRPr kumimoji="1" lang="ja-JP" altLang="en-US"/>
           </a:p>
@@ -2477,7 +2477,7 @@
             <a:fld id="{3BCA5A0C-6EE6-4C53-A7D0-151740237538}" type="datetimeFigureOut">
               <a:rPr kumimoji="1" lang="ja-JP" altLang="en-US" smtClean="0"/>
               <a:pPr/>
-              <a:t>2012/7/24</a:t>
+              <a:t>2017/5/7</a:t>
             </a:fld>
             <a:endParaRPr kumimoji="1" lang="ja-JP" altLang="en-US"/>
           </a:p>
@@ -2597,7 +2597,7 @@
             <a:fld id="{3BCA5A0C-6EE6-4C53-A7D0-151740237538}" type="datetimeFigureOut">
               <a:rPr kumimoji="1" lang="ja-JP" altLang="en-US" smtClean="0"/>
               <a:pPr/>
-              <a:t>2012/7/24</a:t>
+              <a:t>2017/5/7</a:t>
             </a:fld>
             <a:endParaRPr kumimoji="1" lang="ja-JP" altLang="en-US"/>
           </a:p>
@@ -2694,7 +2694,7 @@
             <a:fld id="{3BCA5A0C-6EE6-4C53-A7D0-151740237538}" type="datetimeFigureOut">
               <a:rPr kumimoji="1" lang="ja-JP" altLang="en-US" smtClean="0"/>
               <a:pPr/>
-              <a:t>2012/7/24</a:t>
+              <a:t>2017/5/7</a:t>
             </a:fld>
             <a:endParaRPr kumimoji="1" lang="ja-JP" altLang="en-US"/>
           </a:p>
@@ -3005,7 +3005,7 @@
             <a:fld id="{3BCA5A0C-6EE6-4C53-A7D0-151740237538}" type="datetimeFigureOut">
               <a:rPr kumimoji="1" lang="ja-JP" altLang="en-US" smtClean="0"/>
               <a:pPr/>
-              <a:t>2012/7/24</a:t>
+              <a:t>2017/5/7</a:t>
             </a:fld>
             <a:endParaRPr kumimoji="1" lang="ja-JP" altLang="en-US"/>
           </a:p>
@@ -3260,7 +3260,7 @@
             <a:fld id="{3BCA5A0C-6EE6-4C53-A7D0-151740237538}" type="datetimeFigureOut">
               <a:rPr kumimoji="1" lang="ja-JP" altLang="en-US" smtClean="0"/>
               <a:pPr/>
-              <a:t>2012/7/24</a:t>
+              <a:t>2017/5/7</a:t>
             </a:fld>
             <a:endParaRPr kumimoji="1" lang="ja-JP" altLang="en-US"/>
           </a:p>
@@ -3507,7 +3507,7 @@
             <a:fld id="{3BCA5A0C-6EE6-4C53-A7D0-151740237538}" type="datetimeFigureOut">
               <a:rPr kumimoji="1" lang="ja-JP" altLang="en-US" smtClean="0"/>
               <a:pPr/>
-              <a:t>2012/7/24</a:t>
+              <a:t>2017/5/7</a:t>
             </a:fld>
             <a:endParaRPr kumimoji="1" lang="ja-JP" altLang="en-US"/>
           </a:p>
@@ -3893,8 +3893,8 @@
             </p:nvSpPr>
             <p:spPr>
               <a:xfrm>
-                <a:off x="1908386" y="1051213"/>
-                <a:ext cx="216024" cy="246203"/>
+                <a:off x="1962392" y="994601"/>
+                <a:ext cx="198196" cy="246203"/>
               </a:xfrm>
               <a:prstGeom prst="rect">
                 <a:avLst/>
@@ -3925,7 +3925,7 @@
                     </m:oMath>
                   </m:oMathPara>
                 </a14:m>
-                <a:endParaRPr kumimoji="1" lang="ja-JP" altLang="en-US" sz="1000">
+                <a:endParaRPr kumimoji="1" lang="ja-JP" altLang="en-US" sz="1000" dirty="0">
                   <a:latin typeface="Arial Unicode MS" pitchFamily="50" charset="-128"/>
                   <a:ea typeface="Arial Unicode MS" pitchFamily="50" charset="-128"/>
                   <a:cs typeface="Arial Unicode MS" pitchFamily="50" charset="-128"/>
@@ -3945,8 +3945,8 @@
             </p:nvSpPr>
             <p:spPr>
               <a:xfrm>
-                <a:off x="1908386" y="1051213"/>
-                <a:ext cx="216024" cy="246203"/>
+                <a:off x="1962392" y="994601"/>
+                <a:ext cx="198196" cy="246203"/>
               </a:xfrm>
               <a:prstGeom prst="rect">
                 <a:avLst/>
@@ -3983,7 +3983,7 @@
             </p:nvSpPr>
             <p:spPr>
               <a:xfrm>
-                <a:off x="334876" y="1235025"/>
+                <a:off x="388882" y="1178413"/>
                 <a:ext cx="216024" cy="246203"/>
               </a:xfrm>
               <a:prstGeom prst="rect">
@@ -4035,7 +4035,7 @@
             </p:nvSpPr>
             <p:spPr>
               <a:xfrm>
-                <a:off x="334876" y="1235025"/>
+                <a:off x="388882" y="1178413"/>
                 <a:ext cx="216024" cy="246203"/>
               </a:xfrm>
               <a:prstGeom prst="rect">
@@ -4073,7 +4073,7 @@
             </p:nvSpPr>
             <p:spPr>
               <a:xfrm>
-                <a:off x="288206" y="71859"/>
+                <a:off x="342212" y="15247"/>
                 <a:ext cx="216024" cy="246203"/>
               </a:xfrm>
               <a:prstGeom prst="rect">
@@ -4105,7 +4105,7 @@
                     </m:oMath>
                   </m:oMathPara>
                 </a14:m>
-                <a:endParaRPr kumimoji="1" lang="ja-JP" altLang="en-US" sz="1000">
+                <a:endParaRPr kumimoji="1" lang="ja-JP" altLang="en-US" sz="1000" dirty="0">
                   <a:latin typeface="Arial Unicode MS" pitchFamily="50" charset="-128"/>
                   <a:ea typeface="Arial Unicode MS" pitchFamily="50" charset="-128"/>
                   <a:cs typeface="Arial Unicode MS" pitchFamily="50" charset="-128"/>
@@ -4125,7 +4125,7 @@
             </p:nvSpPr>
             <p:spPr>
               <a:xfrm>
-                <a:off x="288206" y="71859"/>
+                <a:off x="342212" y="15247"/>
                 <a:ext cx="216024" cy="246203"/>
               </a:xfrm>
               <a:prstGeom prst="rect">
@@ -4163,7 +4163,7 @@
             </p:nvSpPr>
             <p:spPr>
               <a:xfrm>
-                <a:off x="1080294" y="215875"/>
+                <a:off x="1134300" y="159263"/>
                 <a:ext cx="792088" cy="246203"/>
               </a:xfrm>
               <a:prstGeom prst="rect">
@@ -4255,7 +4255,7 @@
             </p:nvSpPr>
             <p:spPr>
               <a:xfrm>
-                <a:off x="1080294" y="215875"/>
+                <a:off x="1134300" y="159263"/>
                 <a:ext cx="792088" cy="246203"/>
               </a:xfrm>
               <a:prstGeom prst="rect">
@@ -4293,7 +4293,7 @@
             </p:nvSpPr>
             <p:spPr>
               <a:xfrm>
-                <a:off x="1224310" y="1223987"/>
+                <a:off x="1278316" y="1167375"/>
                 <a:ext cx="216024" cy="246203"/>
               </a:xfrm>
               <a:prstGeom prst="rect">
@@ -4345,7 +4345,7 @@
             </p:nvSpPr>
             <p:spPr>
               <a:xfrm>
-                <a:off x="1224310" y="1223987"/>
+                <a:off x="1278316" y="1167375"/>
                 <a:ext cx="216024" cy="246203"/>
               </a:xfrm>
               <a:prstGeom prst="rect">
@@ -4383,7 +4383,7 @@
             </p:nvSpPr>
             <p:spPr>
               <a:xfrm>
-                <a:off x="1368326" y="1223987"/>
+                <a:off x="1422332" y="1167375"/>
                 <a:ext cx="504056" cy="246203"/>
               </a:xfrm>
               <a:prstGeom prst="rect">
@@ -4451,7 +4451,7 @@
             </p:nvSpPr>
             <p:spPr>
               <a:xfrm>
-                <a:off x="1368326" y="1223987"/>
+                <a:off x="1422332" y="1167375"/>
                 <a:ext cx="504056" cy="246203"/>
               </a:xfrm>
               <a:prstGeom prst="rect">
@@ -4479,8 +4479,8 @@
           </p:sp>
         </mc:Fallback>
       </mc:AlternateContent>
-      <mc:AlternateContent xmlns:mc="http://schemas.openxmlformats.org/markup-compatibility/2006" xmlns:a14="http://schemas.microsoft.com/office/drawing/2010/main">
-        <mc:Choice Requires="a14">
+      <mc:AlternateContent xmlns:mc="http://schemas.openxmlformats.org/markup-compatibility/2006">
+        <mc:Choice xmlns:a14="http://schemas.microsoft.com/office/drawing/2010/main" Requires="a14">
           <p:sp>
             <p:nvSpPr>
               <p:cNvPr id="31" name="テキスト ボックス 30"/>
@@ -4489,7 +4489,7 @@
             </p:nvSpPr>
             <p:spPr>
               <a:xfrm>
-                <a:off x="144190" y="719931"/>
+                <a:off x="198196" y="663319"/>
                 <a:ext cx="360040" cy="246203"/>
               </a:xfrm>
               <a:prstGeom prst="rect">
@@ -4554,7 +4554,7 @@
             </p:txBody>
           </p:sp>
         </mc:Choice>
-        <mc:Fallback xmlns="">
+        <mc:Fallback>
           <p:sp>
             <p:nvSpPr>
               <p:cNvPr id="31" name="テキスト ボックス 30"/>
@@ -4565,7 +4565,7 @@
             </p:nvSpPr>
             <p:spPr>
               <a:xfrm>
-                <a:off x="144190" y="719931"/>
+                <a:off x="198196" y="663319"/>
                 <a:ext cx="360040" cy="246203"/>
               </a:xfrm>
               <a:prstGeom prst="rect">
@@ -4603,8 +4603,8 @@
             </p:nvSpPr>
             <p:spPr>
               <a:xfrm>
-                <a:off x="-71834" y="575915"/>
-                <a:ext cx="720080" cy="246203"/>
+                <a:off x="0" y="519303"/>
+                <a:ext cx="702252" cy="246203"/>
               </a:xfrm>
               <a:prstGeom prst="rect">
                 <a:avLst/>
@@ -4675,7 +4675,7 @@
                     </m:oMath>
                   </m:oMathPara>
                 </a14:m>
-                <a:endParaRPr kumimoji="1" lang="ja-JP" altLang="en-US" sz="1000">
+                <a:endParaRPr kumimoji="1" lang="ja-JP" altLang="en-US" sz="1000" dirty="0">
                   <a:latin typeface="Arial Unicode MS" pitchFamily="50" charset="-128"/>
                   <a:ea typeface="Arial Unicode MS" pitchFamily="50" charset="-128"/>
                   <a:cs typeface="Arial Unicode MS" pitchFamily="50" charset="-128"/>
@@ -4695,8 +4695,8 @@
             </p:nvSpPr>
             <p:spPr>
               <a:xfrm>
-                <a:off x="-71834" y="575915"/>
-                <a:ext cx="720080" cy="246203"/>
+                <a:off x="0" y="519303"/>
+                <a:ext cx="702252" cy="246203"/>
               </a:xfrm>
               <a:prstGeom prst="rect">
                 <a:avLst/>
@@ -4731,7 +4731,7 @@
         </p:nvCxnSpPr>
         <p:spPr>
           <a:xfrm flipV="1">
-            <a:off x="429999" y="1292616"/>
+            <a:off x="484005" y="1236004"/>
             <a:ext cx="1658407" cy="1548"/>
           </a:xfrm>
           <a:prstGeom prst="straightConnector1">
@@ -4768,7 +4768,7 @@
         </p:nvCxnSpPr>
         <p:spPr>
           <a:xfrm flipH="1" flipV="1">
-            <a:off x="570065" y="215875"/>
+            <a:off x="624071" y="159263"/>
             <a:ext cx="3962" cy="1142252"/>
           </a:xfrm>
           <a:prstGeom prst="straightConnector1">
@@ -4805,7 +4805,7 @@
         </p:nvSpPr>
         <p:spPr>
           <a:xfrm>
-            <a:off x="598048" y="438389"/>
+            <a:off x="652054" y="381777"/>
             <a:ext cx="1194090" cy="919740"/>
           </a:xfrm>
           <a:custGeom>
@@ -4896,7 +4896,7 @@
         </p:nvCxnSpPr>
         <p:spPr>
           <a:xfrm>
-            <a:off x="1530772" y="719931"/>
+            <a:off x="1584778" y="663319"/>
             <a:ext cx="0" cy="577485"/>
           </a:xfrm>
           <a:prstGeom prst="line">
@@ -4932,7 +4932,7 @@
         </p:nvCxnSpPr>
         <p:spPr>
           <a:xfrm flipH="1">
-            <a:off x="574028" y="858548"/>
+            <a:off x="628034" y="801936"/>
             <a:ext cx="793186" cy="0"/>
           </a:xfrm>
           <a:prstGeom prst="line">
@@ -4968,7 +4968,7 @@
         </p:nvCxnSpPr>
         <p:spPr>
           <a:xfrm flipH="1">
-            <a:off x="574028" y="719931"/>
+            <a:off x="628034" y="663319"/>
             <a:ext cx="956744" cy="0"/>
           </a:xfrm>
           <a:prstGeom prst="line">
@@ -5004,7 +5004,7 @@
         </p:nvCxnSpPr>
         <p:spPr>
           <a:xfrm flipH="1">
-            <a:off x="858264" y="406524"/>
+            <a:off x="912270" y="349912"/>
             <a:ext cx="1017900" cy="904049"/>
           </a:xfrm>
           <a:prstGeom prst="line">
@@ -5039,7 +5039,7 @@
         </p:nvCxnSpPr>
         <p:spPr>
           <a:xfrm flipV="1">
-            <a:off x="1368326" y="858548"/>
+            <a:off x="1422332" y="801936"/>
             <a:ext cx="0" cy="434069"/>
           </a:xfrm>
           <a:prstGeom prst="line">
